--- a/Essentials of Management/L5 Planning.pptx
+++ b/Essentials of Management/L5 Planning.pptx
@@ -2,53 +2,53 @@
 <file path=ppt/presentation.xml><?xml version="1.0" encoding="utf-8"?>
 <p:presentation xmlns:a="http://schemas.openxmlformats.org/drawingml/2006/main" xmlns:r="http://schemas.openxmlformats.org/officeDocument/2006/relationships" xmlns:p="http://schemas.openxmlformats.org/presentationml/2006/main" showSpecialPlsOnTitleSld="0" saveSubsetFonts="1">
   <p:sldMasterIdLst>
-    <p:sldMasterId id="2147483660" r:id="rId1"/>
+    <p:sldMasterId id="2147483660" r:id="rId4"/>
   </p:sldMasterIdLst>
   <p:notesMasterIdLst>
-    <p:notesMasterId r:id="rId43"/>
+    <p:notesMasterId r:id="rId46"/>
   </p:notesMasterIdLst>
   <p:sldIdLst>
-    <p:sldId id="265" r:id="rId2"/>
-    <p:sldId id="310" r:id="rId3"/>
-    <p:sldId id="291" r:id="rId4"/>
-    <p:sldId id="313" r:id="rId5"/>
-    <p:sldId id="312" r:id="rId6"/>
-    <p:sldId id="311" r:id="rId7"/>
-    <p:sldId id="298" r:id="rId8"/>
-    <p:sldId id="299" r:id="rId9"/>
-    <p:sldId id="308" r:id="rId10"/>
-    <p:sldId id="309" r:id="rId11"/>
-    <p:sldId id="266" r:id="rId12"/>
-    <p:sldId id="268" r:id="rId13"/>
-    <p:sldId id="321" r:id="rId14"/>
-    <p:sldId id="323" r:id="rId15"/>
-    <p:sldId id="320" r:id="rId16"/>
-    <p:sldId id="267" r:id="rId17"/>
-    <p:sldId id="271" r:id="rId18"/>
-    <p:sldId id="272" r:id="rId19"/>
-    <p:sldId id="276" r:id="rId20"/>
-    <p:sldId id="278" r:id="rId21"/>
-    <p:sldId id="279" r:id="rId22"/>
-    <p:sldId id="280" r:id="rId23"/>
-    <p:sldId id="281" r:id="rId24"/>
-    <p:sldId id="285" r:id="rId25"/>
-    <p:sldId id="286" r:id="rId26"/>
-    <p:sldId id="287" r:id="rId27"/>
-    <p:sldId id="301" r:id="rId28"/>
-    <p:sldId id="314" r:id="rId29"/>
-    <p:sldId id="324" r:id="rId30"/>
-    <p:sldId id="316" r:id="rId31"/>
-    <p:sldId id="318" r:id="rId32"/>
-    <p:sldId id="319" r:id="rId33"/>
-    <p:sldId id="317" r:id="rId34"/>
-    <p:sldId id="302" r:id="rId35"/>
-    <p:sldId id="303" r:id="rId36"/>
-    <p:sldId id="325" r:id="rId37"/>
-    <p:sldId id="304" r:id="rId38"/>
-    <p:sldId id="306" r:id="rId39"/>
-    <p:sldId id="305" r:id="rId40"/>
-    <p:sldId id="315" r:id="rId41"/>
-    <p:sldId id="307" r:id="rId42"/>
+    <p:sldId id="265" r:id="rId5"/>
+    <p:sldId id="310" r:id="rId6"/>
+    <p:sldId id="291" r:id="rId7"/>
+    <p:sldId id="313" r:id="rId8"/>
+    <p:sldId id="312" r:id="rId9"/>
+    <p:sldId id="311" r:id="rId10"/>
+    <p:sldId id="298" r:id="rId11"/>
+    <p:sldId id="299" r:id="rId12"/>
+    <p:sldId id="308" r:id="rId13"/>
+    <p:sldId id="309" r:id="rId14"/>
+    <p:sldId id="266" r:id="rId15"/>
+    <p:sldId id="268" r:id="rId16"/>
+    <p:sldId id="321" r:id="rId17"/>
+    <p:sldId id="323" r:id="rId18"/>
+    <p:sldId id="320" r:id="rId19"/>
+    <p:sldId id="267" r:id="rId20"/>
+    <p:sldId id="271" r:id="rId21"/>
+    <p:sldId id="272" r:id="rId22"/>
+    <p:sldId id="276" r:id="rId23"/>
+    <p:sldId id="278" r:id="rId24"/>
+    <p:sldId id="279" r:id="rId25"/>
+    <p:sldId id="280" r:id="rId26"/>
+    <p:sldId id="281" r:id="rId27"/>
+    <p:sldId id="285" r:id="rId28"/>
+    <p:sldId id="286" r:id="rId29"/>
+    <p:sldId id="287" r:id="rId30"/>
+    <p:sldId id="301" r:id="rId31"/>
+    <p:sldId id="314" r:id="rId32"/>
+    <p:sldId id="324" r:id="rId33"/>
+    <p:sldId id="316" r:id="rId34"/>
+    <p:sldId id="318" r:id="rId35"/>
+    <p:sldId id="319" r:id="rId36"/>
+    <p:sldId id="317" r:id="rId37"/>
+    <p:sldId id="302" r:id="rId38"/>
+    <p:sldId id="303" r:id="rId39"/>
+    <p:sldId id="325" r:id="rId40"/>
+    <p:sldId id="304" r:id="rId41"/>
+    <p:sldId id="306" r:id="rId42"/>
+    <p:sldId id="305" r:id="rId43"/>
+    <p:sldId id="315" r:id="rId44"/>
+    <p:sldId id="307" r:id="rId45"/>
   </p:sldIdLst>
   <p:sldSz cx="9144000" cy="6858000" type="screen4x3"/>
   <p:notesSz cx="6858000" cy="9144000"/>
@@ -249,7 +249,7 @@
             <a:fld id="{563C5EEB-F0D8-449D-BBB4-0B6499A7C03F}" type="datetimeFigureOut">
               <a:rPr lang="en-IN" smtClean="0"/>
               <a:pPr/>
-              <a:t>11-08-2022</a:t>
+              <a:t>17/11/22</a:t>
             </a:fld>
             <a:endParaRPr lang="en-IN"/>
           </a:p>
@@ -1172,7 +1172,7 @@
                 </a:solidFill>
               </a:rPr>
               <a:pPr/>
-              <a:t>11-08-2022</a:t>
+              <a:t>17/11/22</a:t>
             </a:fld>
             <a:endParaRPr lang="en-IN">
               <a:solidFill>
@@ -1377,7 +1377,7 @@
                 </a:solidFill>
               </a:rPr>
               <a:pPr/>
-              <a:t>11-08-2022</a:t>
+              <a:t>17/11/22</a:t>
             </a:fld>
             <a:endParaRPr lang="en-IN">
               <a:solidFill>
@@ -1592,7 +1592,7 @@
                 </a:solidFill>
               </a:rPr>
               <a:pPr/>
-              <a:t>11-08-2022</a:t>
+              <a:t>17/11/22</a:t>
             </a:fld>
             <a:endParaRPr lang="en-IN">
               <a:solidFill>
@@ -1797,7 +1797,7 @@
                 </a:solidFill>
               </a:rPr>
               <a:pPr/>
-              <a:t>11-08-2022</a:t>
+              <a:t>17/11/22</a:t>
             </a:fld>
             <a:endParaRPr lang="en-IN">
               <a:solidFill>
@@ -2078,7 +2078,7 @@
                 </a:solidFill>
               </a:rPr>
               <a:pPr/>
-              <a:t>11-08-2022</a:t>
+              <a:t>17/11/22</a:t>
             </a:fld>
             <a:endParaRPr lang="en-IN">
               <a:solidFill>
@@ -2401,7 +2401,7 @@
                 </a:solidFill>
               </a:rPr>
               <a:pPr/>
-              <a:t>11-08-2022</a:t>
+              <a:t>17/11/22</a:t>
             </a:fld>
             <a:endParaRPr lang="en-IN">
               <a:solidFill>
@@ -2858,7 +2858,7 @@
                 </a:solidFill>
               </a:rPr>
               <a:pPr/>
-              <a:t>11-08-2022</a:t>
+              <a:t>17/11/22</a:t>
             </a:fld>
             <a:endParaRPr lang="en-IN">
               <a:solidFill>
@@ -3011,7 +3011,7 @@
                 </a:solidFill>
               </a:rPr>
               <a:pPr/>
-              <a:t>11-08-2022</a:t>
+              <a:t>17/11/22</a:t>
             </a:fld>
             <a:endParaRPr lang="en-IN">
               <a:solidFill>
@@ -3141,7 +3141,7 @@
                 </a:solidFill>
               </a:rPr>
               <a:pPr/>
-              <a:t>11-08-2022</a:t>
+              <a:t>17/11/22</a:t>
             </a:fld>
             <a:endParaRPr lang="en-IN">
               <a:solidFill>
@@ -3453,7 +3453,7 @@
                 </a:solidFill>
               </a:rPr>
               <a:pPr/>
-              <a:t>11-08-2022</a:t>
+              <a:t>17/11/22</a:t>
             </a:fld>
             <a:endParaRPr lang="en-IN">
               <a:solidFill>
@@ -3741,7 +3741,7 @@
                 </a:solidFill>
               </a:rPr>
               <a:pPr/>
-              <a:t>11-08-2022</a:t>
+              <a:t>17/11/22</a:t>
             </a:fld>
             <a:endParaRPr lang="en-IN">
               <a:solidFill>
@@ -3989,7 +3989,7 @@
                 </a:solidFill>
               </a:rPr>
               <a:pPr/>
-              <a:t>11-08-2022</a:t>
+              <a:t>17/11/22</a:t>
             </a:fld>
             <a:endParaRPr lang="en-IN">
               <a:solidFill>
@@ -5776,10 +5776,10 @@
           <a:p>
             <a:pPr algn="l" eaLnBrk="1" hangingPunct="1"/>
             <a:r>
-              <a:rPr lang="en-US" sz="1800" b="1"/>
+              <a:rPr lang="en-US" sz="1800" b="1" dirty="0"/>
               <a:t>Mission</a:t>
             </a:r>
-            <a:endParaRPr lang="en-IN" sz="1800" b="1"/>
+            <a:endParaRPr lang="en-IN" sz="1800" b="1" dirty="0"/>
           </a:p>
         </p:txBody>
       </p:sp>
@@ -5904,44 +5904,6 @@
           <a:chExt cx="0" cy="0"/>
         </a:xfrm>
       </p:grpSpPr>
-      <p:sp>
-        <p:nvSpPr>
-          <p:cNvPr id="2" name="Title 1"/>
-          <p:cNvSpPr>
-            <a:spLocks noGrp="1"/>
-          </p:cNvSpPr>
-          <p:nvPr>
-            <p:ph type="title"/>
-          </p:nvPr>
-        </p:nvSpPr>
-        <p:spPr/>
-        <p:txBody>
-          <a:bodyPr/>
-          <a:lstStyle/>
-          <a:p>
-            <a:endParaRPr lang="en-IN"/>
-          </a:p>
-        </p:txBody>
-      </p:sp>
-      <p:sp>
-        <p:nvSpPr>
-          <p:cNvPr id="3" name="Content Placeholder 2"/>
-          <p:cNvSpPr>
-            <a:spLocks noGrp="1"/>
-          </p:cNvSpPr>
-          <p:nvPr>
-            <p:ph idx="1"/>
-          </p:nvPr>
-        </p:nvSpPr>
-        <p:spPr/>
-        <p:txBody>
-          <a:bodyPr/>
-          <a:lstStyle/>
-          <a:p>
-            <a:endParaRPr lang="en-IN"/>
-          </a:p>
-        </p:txBody>
-      </p:sp>
       <p:sp>
         <p:nvSpPr>
           <p:cNvPr id="4" name="Footer Placeholder 3"/>
@@ -6082,44 +6044,6 @@
           <a:chExt cx="0" cy="0"/>
         </a:xfrm>
       </p:grpSpPr>
-      <p:sp>
-        <p:nvSpPr>
-          <p:cNvPr id="2" name="Title 1"/>
-          <p:cNvSpPr>
-            <a:spLocks noGrp="1"/>
-          </p:cNvSpPr>
-          <p:nvPr>
-            <p:ph type="title"/>
-          </p:nvPr>
-        </p:nvSpPr>
-        <p:spPr/>
-        <p:txBody>
-          <a:bodyPr/>
-          <a:lstStyle/>
-          <a:p>
-            <a:endParaRPr lang="en-IN"/>
-          </a:p>
-        </p:txBody>
-      </p:sp>
-      <p:sp>
-        <p:nvSpPr>
-          <p:cNvPr id="3" name="Content Placeholder 2"/>
-          <p:cNvSpPr>
-            <a:spLocks noGrp="1"/>
-          </p:cNvSpPr>
-          <p:nvPr>
-            <p:ph idx="1"/>
-          </p:nvPr>
-        </p:nvSpPr>
-        <p:spPr/>
-        <p:txBody>
-          <a:bodyPr/>
-          <a:lstStyle/>
-          <a:p>
-            <a:endParaRPr lang="en-IN"/>
-          </a:p>
-        </p:txBody>
-      </p:sp>
       <p:sp>
         <p:nvSpPr>
           <p:cNvPr id="4" name="Footer Placeholder 3"/>
@@ -9588,44 +9512,6 @@
       </p:grpSpPr>
       <p:sp>
         <p:nvSpPr>
-          <p:cNvPr id="2" name="Title 1"/>
-          <p:cNvSpPr>
-            <a:spLocks noGrp="1"/>
-          </p:cNvSpPr>
-          <p:nvPr>
-            <p:ph type="title"/>
-          </p:nvPr>
-        </p:nvSpPr>
-        <p:spPr/>
-        <p:txBody>
-          <a:bodyPr/>
-          <a:lstStyle/>
-          <a:p>
-            <a:endParaRPr lang="en-IN"/>
-          </a:p>
-        </p:txBody>
-      </p:sp>
-      <p:sp>
-        <p:nvSpPr>
-          <p:cNvPr id="3" name="Content Placeholder 2"/>
-          <p:cNvSpPr>
-            <a:spLocks noGrp="1"/>
-          </p:cNvSpPr>
-          <p:nvPr>
-            <p:ph idx="1"/>
-          </p:nvPr>
-        </p:nvSpPr>
-        <p:spPr/>
-        <p:txBody>
-          <a:bodyPr/>
-          <a:lstStyle/>
-          <a:p>
-            <a:endParaRPr lang="en-IN"/>
-          </a:p>
-        </p:txBody>
-      </p:sp>
-      <p:sp>
-        <p:nvSpPr>
           <p:cNvPr id="4" name="Footer Placeholder 3"/>
           <p:cNvSpPr>
             <a:spLocks noGrp="1"/>
@@ -11929,7 +11815,7 @@
                 <a:ea typeface="MS PGothic" pitchFamily="34" charset="-128"/>
               </a:rPr>
               <a:pPr eaLnBrk="1" hangingPunct="1"/>
-              <a:t>8/11/2022</a:t>
+              <a:t>11/17/22</a:t>
             </a:fld>
             <a:endParaRPr lang="nb-NO">
               <a:solidFill>
@@ -13251,25 +13137,6 @@
       </p:grpSpPr>
       <p:sp>
         <p:nvSpPr>
-          <p:cNvPr id="2" name="Title 1"/>
-          <p:cNvSpPr>
-            <a:spLocks noGrp="1"/>
-          </p:cNvSpPr>
-          <p:nvPr>
-            <p:ph type="title"/>
-          </p:nvPr>
-        </p:nvSpPr>
-        <p:spPr/>
-        <p:txBody>
-          <a:bodyPr/>
-          <a:lstStyle/>
-          <a:p>
-            <a:endParaRPr lang="en-US"/>
-          </a:p>
-        </p:txBody>
-      </p:sp>
-      <p:sp>
-        <p:nvSpPr>
           <p:cNvPr id="3" name="Footer Placeholder 2"/>
           <p:cNvSpPr>
             <a:spLocks noGrp="1"/>
@@ -13369,25 +13236,6 @@
       </p:grpSpPr>
       <p:sp>
         <p:nvSpPr>
-          <p:cNvPr id="2" name="Title 1"/>
-          <p:cNvSpPr>
-            <a:spLocks noGrp="1"/>
-          </p:cNvSpPr>
-          <p:nvPr>
-            <p:ph type="title"/>
-          </p:nvPr>
-        </p:nvSpPr>
-        <p:spPr/>
-        <p:txBody>
-          <a:bodyPr/>
-          <a:lstStyle/>
-          <a:p>
-            <a:endParaRPr lang="en-US"/>
-          </a:p>
-        </p:txBody>
-      </p:sp>
-      <p:sp>
-        <p:nvSpPr>
           <p:cNvPr id="3" name="Footer Placeholder 2"/>
           <p:cNvSpPr>
             <a:spLocks noGrp="1"/>
@@ -13444,6 +13292,38 @@
           </a:prstGeom>
         </p:spPr>
       </p:pic>
+      <p:sp>
+        <p:nvSpPr>
+          <p:cNvPr id="5" name="TextBox 4">
+            <a:extLst>
+              <a:ext uri="{FF2B5EF4-FFF2-40B4-BE49-F238E27FC236}">
+                <a16:creationId xmlns:a16="http://schemas.microsoft.com/office/drawing/2014/main" id="{69F171DC-F995-3D02-4902-D02D120E521A}"/>
+              </a:ext>
+            </a:extLst>
+          </p:cNvPr>
+          <p:cNvSpPr txBox="1"/>
+          <p:nvPr/>
+        </p:nvSpPr>
+        <p:spPr>
+          <a:xfrm>
+            <a:off x="4114800" y="2971800"/>
+            <a:ext cx="65" cy="276999"/>
+          </a:xfrm>
+          <a:prstGeom prst="rect">
+            <a:avLst/>
+          </a:prstGeom>
+          <a:noFill/>
+        </p:spPr>
+        <p:txBody>
+          <a:bodyPr wrap="none" lIns="0" tIns="0" rIns="0" bIns="0" rtlCol="0">
+            <a:spAutoFit/>
+          </a:bodyPr>
+          <a:lstStyle/>
+          <a:p>
+            <a:endParaRPr lang="en-US" dirty="0"/>
+          </a:p>
+        </p:txBody>
+      </p:sp>
     </p:spTree>
     <p:extLst>
       <p:ext uri="{BB962C8B-B14F-4D97-AF65-F5344CB8AC3E}">
@@ -14923,44 +14803,6 @@
       </p:grpSpPr>
       <p:sp>
         <p:nvSpPr>
-          <p:cNvPr id="2" name="Title 1"/>
-          <p:cNvSpPr>
-            <a:spLocks noGrp="1"/>
-          </p:cNvSpPr>
-          <p:nvPr>
-            <p:ph type="title"/>
-          </p:nvPr>
-        </p:nvSpPr>
-        <p:spPr/>
-        <p:txBody>
-          <a:bodyPr/>
-          <a:lstStyle/>
-          <a:p>
-            <a:endParaRPr lang="en-IN"/>
-          </a:p>
-        </p:txBody>
-      </p:sp>
-      <p:sp>
-        <p:nvSpPr>
-          <p:cNvPr id="3" name="Content Placeholder 2"/>
-          <p:cNvSpPr>
-            <a:spLocks noGrp="1"/>
-          </p:cNvSpPr>
-          <p:nvPr>
-            <p:ph idx="1"/>
-          </p:nvPr>
-        </p:nvSpPr>
-        <p:spPr/>
-        <p:txBody>
-          <a:bodyPr/>
-          <a:lstStyle/>
-          <a:p>
-            <a:endParaRPr lang="en-IN"/>
-          </a:p>
-        </p:txBody>
-      </p:sp>
-      <p:sp>
-        <p:nvSpPr>
           <p:cNvPr id="4" name="Footer Placeholder 3"/>
           <p:cNvSpPr>
             <a:spLocks noGrp="1"/>
@@ -16061,44 +15903,6 @@
           <a:chExt cx="0" cy="0"/>
         </a:xfrm>
       </p:grpSpPr>
-      <p:sp>
-        <p:nvSpPr>
-          <p:cNvPr id="2" name="Title 1"/>
-          <p:cNvSpPr>
-            <a:spLocks noGrp="1"/>
-          </p:cNvSpPr>
-          <p:nvPr>
-            <p:ph type="title"/>
-          </p:nvPr>
-        </p:nvSpPr>
-        <p:spPr/>
-        <p:txBody>
-          <a:bodyPr/>
-          <a:lstStyle/>
-          <a:p>
-            <a:endParaRPr lang="en-US"/>
-          </a:p>
-        </p:txBody>
-      </p:sp>
-      <p:sp>
-        <p:nvSpPr>
-          <p:cNvPr id="3" name="Content Placeholder 2"/>
-          <p:cNvSpPr>
-            <a:spLocks noGrp="1"/>
-          </p:cNvSpPr>
-          <p:nvPr>
-            <p:ph idx="1"/>
-          </p:nvPr>
-        </p:nvSpPr>
-        <p:spPr/>
-        <p:txBody>
-          <a:bodyPr/>
-          <a:lstStyle/>
-          <a:p>
-            <a:endParaRPr lang="en-US"/>
-          </a:p>
-        </p:txBody>
-      </p:sp>
       <p:sp>
         <p:nvSpPr>
           <p:cNvPr id="4" name="Footer Placeholder 3"/>
@@ -17623,15 +17427,6 @@
 </file>
 
 <file path=customXml/item2.xml><?xml version="1.0" encoding="utf-8"?>
-<?mso-contentType ?>
-<FormTemplates xmlns="http://schemas.microsoft.com/sharepoint/v3/contenttype/forms">
-  <Display>DocumentLibraryForm</Display>
-  <Edit>DocumentLibraryForm</Edit>
-  <New>DocumentLibraryForm</New>
-</FormTemplates>
-</file>
-
-<file path=customXml/item3.xml><?xml version="1.0" encoding="utf-8"?>
 <p:properties xmlns:p="http://schemas.microsoft.com/office/2006/metadata/properties" xmlns:xsi="http://www.w3.org/2001/XMLSchema-instance" xmlns:pc="http://schemas.microsoft.com/office/infopath/2007/PartnerControls">
   <documentManagement>
     <TaxCatchAll xmlns="6ea11940-03c4-45b3-b33e-236a7a990829" xsi:nil="true"/>
@@ -17642,14 +17437,49 @@
 </p:properties>
 </file>
 
+<file path=customXml/item3.xml><?xml version="1.0" encoding="utf-8"?>
+<?mso-contentType ?>
+<FormTemplates xmlns="http://schemas.microsoft.com/sharepoint/v3/contenttype/forms">
+  <Display>DocumentLibraryForm</Display>
+  <Edit>DocumentLibraryForm</Edit>
+  <New>DocumentLibraryForm</New>
+</FormTemplates>
+</file>
+
 <file path=customXml/itemProps1.xml><?xml version="1.0" encoding="utf-8"?>
-<ds:datastoreItem xmlns:ds="http://schemas.openxmlformats.org/officeDocument/2006/customXml" ds:itemID="{C89427BC-B174-454A-8F42-1DB2F7B733CE}"/>
+<ds:datastoreItem xmlns:ds="http://schemas.openxmlformats.org/officeDocument/2006/customXml" ds:itemID="{C89427BC-B174-454A-8F42-1DB2F7B733CE}">
+  <ds:schemaRefs>
+    <ds:schemaRef ds:uri="http://schemas.microsoft.com/office/2006/metadata/contentType"/>
+    <ds:schemaRef ds:uri="http://schemas.microsoft.com/office/2006/metadata/properties/metaAttributes"/>
+    <ds:schemaRef ds:uri="http://www.w3.org/2001/XMLSchema"/>
+    <ds:schemaRef ds:uri="http://schemas.microsoft.com/office/2006/metadata/properties"/>
+    <ds:schemaRef ds:uri="146d2def-d2a6-46e0-ac29-1269ce1e0b55"/>
+    <ds:schemaRef ds:uri="6ea11940-03c4-45b3-b33e-236a7a990829"/>
+    <ds:schemaRef ds:uri="http://schemas.microsoft.com/office/2006/documentManagement/types"/>
+    <ds:schemaRef ds:uri="http://schemas.microsoft.com/office/infopath/2007/PartnerControls"/>
+    <ds:schemaRef ds:uri="http://schemas.openxmlformats.org/package/2006/metadata/core-properties"/>
+    <ds:schemaRef ds:uri="http://purl.org/dc/elements/1.1/"/>
+    <ds:schemaRef ds:uri="http://purl.org/dc/terms/"/>
+    <ds:schemaRef ds:uri="http://schemas.microsoft.com/internal/obd"/>
+  </ds:schemaRefs>
+</ds:datastoreItem>
 </file>
 
 <file path=customXml/itemProps2.xml><?xml version="1.0" encoding="utf-8"?>
-<ds:datastoreItem xmlns:ds="http://schemas.openxmlformats.org/officeDocument/2006/customXml" ds:itemID="{630E75CE-D35D-4DD4-A695-B781F9AEA3EF}"/>
+<ds:datastoreItem xmlns:ds="http://schemas.openxmlformats.org/officeDocument/2006/customXml" ds:itemID="{74560C6D-15A8-4081-8C51-A032281137A2}">
+  <ds:schemaRefs>
+    <ds:schemaRef ds:uri="http://schemas.microsoft.com/office/2006/metadata/properties"/>
+    <ds:schemaRef ds:uri="http://schemas.microsoft.com/office/infopath/2007/PartnerControls"/>
+    <ds:schemaRef ds:uri="6ea11940-03c4-45b3-b33e-236a7a990829"/>
+    <ds:schemaRef ds:uri="146d2def-d2a6-46e0-ac29-1269ce1e0b55"/>
+  </ds:schemaRefs>
+</ds:datastoreItem>
 </file>
 
 <file path=customXml/itemProps3.xml><?xml version="1.0" encoding="utf-8"?>
-<ds:datastoreItem xmlns:ds="http://schemas.openxmlformats.org/officeDocument/2006/customXml" ds:itemID="{74560C6D-15A8-4081-8C51-A032281137A2}"/>
+<ds:datastoreItem xmlns:ds="http://schemas.openxmlformats.org/officeDocument/2006/customXml" ds:itemID="{630E75CE-D35D-4DD4-A695-B781F9AEA3EF}">
+  <ds:schemaRefs>
+    <ds:schemaRef ds:uri="http://schemas.microsoft.com/sharepoint/v3/contenttype/forms"/>
+  </ds:schemaRefs>
+</ds:datastoreItem>
 </file>